--- a/Lab 6/CS 341 Lab 6.pptx
+++ b/Lab 6/CS 341 Lab 6.pptx
@@ -355,7 +355,7 @@
           <a:p>
             <a:fld id="{48A87A34-81AB-432B-8DAE-1953F412C126}" type="datetimeFigureOut">
               <a:rPr lang="en-US" smtClean="0"/>
-              <a:t>10/29/2020</a:t>
+              <a:t>11/10/2020</a:t>
             </a:fld>
             <a:endParaRPr lang="en-US" dirty="0"/>
           </a:p>
@@ -563,7 +563,7 @@
           <a:p>
             <a:fld id="{48A87A34-81AB-432B-8DAE-1953F412C126}" type="datetimeFigureOut">
               <a:rPr lang="en-US" smtClean="0"/>
-              <a:t>10/29/2020</a:t>
+              <a:t>11/10/2020</a:t>
             </a:fld>
             <a:endParaRPr lang="en-US" dirty="0"/>
           </a:p>
@@ -819,7 +819,7 @@
           <a:p>
             <a:fld id="{48A87A34-81AB-432B-8DAE-1953F412C126}" type="datetimeFigureOut">
               <a:rPr lang="en-US" smtClean="0"/>
-              <a:t>10/29/2020</a:t>
+              <a:t>11/10/2020</a:t>
             </a:fld>
             <a:endParaRPr lang="en-US" dirty="0"/>
           </a:p>
@@ -993,7 +993,7 @@
           <a:p>
             <a:fld id="{48A87A34-81AB-432B-8DAE-1953F412C126}" type="datetimeFigureOut">
               <a:rPr lang="en-US" smtClean="0"/>
-              <a:t>10/29/2020</a:t>
+              <a:t>11/10/2020</a:t>
             </a:fld>
             <a:endParaRPr lang="en-US" dirty="0"/>
           </a:p>
@@ -1336,7 +1336,7 @@
           <a:p>
             <a:fld id="{48A87A34-81AB-432B-8DAE-1953F412C126}" type="datetimeFigureOut">
               <a:rPr lang="en-US" smtClean="0"/>
-              <a:t>10/29/2020</a:t>
+              <a:t>11/10/2020</a:t>
             </a:fld>
             <a:endParaRPr lang="en-US" dirty="0"/>
           </a:p>
@@ -1611,7 +1611,7 @@
           <a:p>
             <a:fld id="{48A87A34-81AB-432B-8DAE-1953F412C126}" type="datetimeFigureOut">
               <a:rPr lang="en-US" smtClean="0"/>
-              <a:t>10/29/2020</a:t>
+              <a:t>11/10/2020</a:t>
             </a:fld>
             <a:endParaRPr lang="en-US" dirty="0"/>
           </a:p>
@@ -1990,7 +1990,7 @@
           <a:p>
             <a:fld id="{48A87A34-81AB-432B-8DAE-1953F412C126}" type="datetimeFigureOut">
               <a:rPr lang="en-US" smtClean="0"/>
-              <a:t>10/29/2020</a:t>
+              <a:t>11/10/2020</a:t>
             </a:fld>
             <a:endParaRPr lang="en-US" dirty="0"/>
           </a:p>
@@ -2108,7 +2108,7 @@
           <a:p>
             <a:fld id="{48A87A34-81AB-432B-8DAE-1953F412C126}" type="datetimeFigureOut">
               <a:rPr lang="en-US" smtClean="0"/>
-              <a:t>10/29/2020</a:t>
+              <a:t>11/10/2020</a:t>
             </a:fld>
             <a:endParaRPr lang="en-US" dirty="0"/>
           </a:p>
@@ -2279,7 +2279,7 @@
           <a:p>
             <a:fld id="{48A87A34-81AB-432B-8DAE-1953F412C126}" type="datetimeFigureOut">
               <a:rPr lang="en-US" smtClean="0"/>
-              <a:t>10/29/2020</a:t>
+              <a:t>11/10/2020</a:t>
             </a:fld>
             <a:endParaRPr lang="en-US" dirty="0"/>
           </a:p>
@@ -2633,7 +2633,7 @@
           <a:p>
             <a:fld id="{48A87A34-81AB-432B-8DAE-1953F412C126}" type="datetimeFigureOut">
               <a:rPr lang="en-US" smtClean="0"/>
-              <a:t>10/29/2020</a:t>
+              <a:t>11/10/2020</a:t>
             </a:fld>
             <a:endParaRPr lang="en-US" dirty="0"/>
           </a:p>
@@ -3015,7 +3015,7 @@
           <a:p>
             <a:fld id="{48A87A34-81AB-432B-8DAE-1953F412C126}" type="datetimeFigureOut">
               <a:rPr lang="en-US" smtClean="0"/>
-              <a:t>10/29/2020</a:t>
+              <a:t>11/10/2020</a:t>
             </a:fld>
             <a:endParaRPr lang="en-US" dirty="0"/>
           </a:p>
@@ -3303,7 +3303,7 @@
             <a:fld id="{48A87A34-81AB-432B-8DAE-1953F412C126}" type="datetimeFigureOut">
               <a:rPr lang="en-US" smtClean="0"/>
               <a:pPr/>
-              <a:t>10/29/2020</a:t>
+              <a:t>11/10/2020</a:t>
             </a:fld>
             <a:endParaRPr lang="en-US" dirty="0"/>
           </a:p>
@@ -4117,13 +4117,8 @@
             </a:pPr>
             <a:r>
               <a:rPr lang="en-US" dirty="0"/>
-              <a:t>0 = nothing </a:t>
-            </a:r>
-            <a:r>
-              <a:rPr lang="en-US" dirty="0" err="1"/>
-              <a:t>dected</a:t>
-            </a:r>
-            <a:endParaRPr lang="en-US" dirty="0"/>
+              <a:t>0 = nothing detected</a:t>
+            </a:r>
           </a:p>
           <a:p>
             <a:pPr>
